--- a/Presentations/Microservices/Microservices.pptx
+++ b/Presentations/Microservices/Microservices.pptx
@@ -16,8 +16,11 @@
     <p:sldId id="397" r:id="rId10"/>
     <p:sldId id="396" r:id="rId11"/>
     <p:sldId id="398" r:id="rId12"/>
-    <p:sldId id="393" r:id="rId13"/>
-    <p:sldId id="259" r:id="rId14"/>
+    <p:sldId id="399" r:id="rId13"/>
+    <p:sldId id="393" r:id="rId14"/>
+    <p:sldId id="400" r:id="rId15"/>
+    <p:sldId id="401" r:id="rId16"/>
+    <p:sldId id="259" r:id="rId17"/>
   </p:sldIdLst>
   <p:sldSz cx="9144000" cy="6858000" type="screen4x3"/>
   <p:notesSz cx="6858000" cy="9144000"/>
@@ -356,7 +359,7 @@
               <a:pPr>
                 <a:defRPr/>
               </a:pPr>
-              <a:t>09/09/2016</a:t>
+              <a:t>22/02/2017</a:t>
             </a:fld>
             <a:endParaRPr lang="fr-CA"/>
           </a:p>
@@ -548,7 +551,7 @@
               <a:pPr>
                 <a:defRPr/>
               </a:pPr>
-              <a:t>09/09/2016</a:t>
+              <a:t>22/02/2017</a:t>
             </a:fld>
             <a:endParaRPr lang="fr-CA"/>
           </a:p>
@@ -750,7 +753,7 @@
               <a:pPr>
                 <a:defRPr/>
               </a:pPr>
-              <a:t>09/09/2016</a:t>
+              <a:t>22/02/2017</a:t>
             </a:fld>
             <a:endParaRPr lang="fr-CA"/>
           </a:p>
@@ -942,7 +945,7 @@
               <a:pPr>
                 <a:defRPr/>
               </a:pPr>
-              <a:t>09/09/2016</a:t>
+              <a:t>22/02/2017</a:t>
             </a:fld>
             <a:endParaRPr lang="fr-CA"/>
           </a:p>
@@ -1210,7 +1213,7 @@
               <a:pPr>
                 <a:defRPr/>
               </a:pPr>
-              <a:t>09/09/2016</a:t>
+              <a:t>22/02/2017</a:t>
             </a:fld>
             <a:endParaRPr lang="fr-CA"/>
           </a:p>
@@ -1520,7 +1523,7 @@
               <a:pPr>
                 <a:defRPr/>
               </a:pPr>
-              <a:t>09/09/2016</a:t>
+              <a:t>22/02/2017</a:t>
             </a:fld>
             <a:endParaRPr lang="fr-CA"/>
           </a:p>
@@ -1964,7 +1967,7 @@
               <a:pPr>
                 <a:defRPr/>
               </a:pPr>
-              <a:t>09/09/2016</a:t>
+              <a:t>22/02/2017</a:t>
             </a:fld>
             <a:endParaRPr lang="fr-CA"/>
           </a:p>
@@ -2104,7 +2107,7 @@
               <a:pPr>
                 <a:defRPr/>
               </a:pPr>
-              <a:t>09/09/2016</a:t>
+              <a:t>22/02/2017</a:t>
             </a:fld>
             <a:endParaRPr lang="fr-CA"/>
           </a:p>
@@ -2221,7 +2224,7 @@
               <a:pPr>
                 <a:defRPr/>
               </a:pPr>
-              <a:t>09/09/2016</a:t>
+              <a:t>22/02/2017</a:t>
             </a:fld>
             <a:endParaRPr lang="fr-CA"/>
           </a:p>
@@ -2520,7 +2523,7 @@
               <a:pPr>
                 <a:defRPr/>
               </a:pPr>
-              <a:t>09/09/2016</a:t>
+              <a:t>22/02/2017</a:t>
             </a:fld>
             <a:endParaRPr lang="fr-CA"/>
           </a:p>
@@ -2802,7 +2805,7 @@
               <a:pPr>
                 <a:defRPr/>
               </a:pPr>
-              <a:t>09/09/2016</a:t>
+              <a:t>22/02/2017</a:t>
             </a:fld>
             <a:endParaRPr lang="fr-CA"/>
           </a:p>
@@ -3066,7 +3069,7 @@
               <a:pPr>
                 <a:defRPr/>
               </a:pPr>
-              <a:t>09/09/2016</a:t>
+              <a:t>22/02/2017</a:t>
             </a:fld>
             <a:endParaRPr lang="fr-CA"/>
           </a:p>
@@ -3967,151 +3970,63 @@
                   <a:schemeClr val="bg1"/>
                 </a:solidFill>
               </a:rPr>
-              <a:t>Implementation</a:t>
-            </a:r>
-            <a:endParaRPr lang="fr-CA" dirty="0">
-              <a:solidFill>
-                <a:schemeClr val="bg1"/>
-              </a:solidFill>
-            </a:endParaRPr>
-          </a:p>
-        </p:txBody>
-      </p:sp>
-      <p:sp>
-        <p:nvSpPr>
-          <p:cNvPr id="4099" name="Espace réservé du contenu 4"/>
-          <p:cNvSpPr>
-            <a:spLocks noGrp="1"/>
-          </p:cNvSpPr>
-          <p:nvPr>
-            <p:ph idx="1"/>
-          </p:nvPr>
-        </p:nvSpPr>
+              <a:t>Core</a:t>
+            </a:r>
+            <a:r>
+              <a:rPr lang="fr-CA" dirty="0">
+                <a:solidFill>
+                  <a:schemeClr val="bg1"/>
+                </a:solidFill>
+              </a:rPr>
+              <a:t> (</a:t>
+            </a:r>
+            <a:r>
+              <a:rPr lang="fr-CA" dirty="0" err="1">
+                <a:solidFill>
+                  <a:schemeClr val="bg1"/>
+                </a:solidFill>
+              </a:rPr>
+              <a:t>cont</a:t>
+            </a:r>
+            <a:r>
+              <a:rPr lang="fr-CA" dirty="0">
+                <a:solidFill>
+                  <a:schemeClr val="bg1"/>
+                </a:solidFill>
+              </a:rPr>
+              <a:t>.)</a:t>
+            </a:r>
+          </a:p>
+        </p:txBody>
+      </p:sp>
+      <p:pic>
+        <p:nvPicPr>
+          <p:cNvPr id="2" name="Picture 1"/>
+          <p:cNvPicPr>
+            <a:picLocks noChangeAspect="1"/>
+          </p:cNvPicPr>
+          <p:nvPr/>
+        </p:nvPicPr>
+        <p:blipFill>
+          <a:blip r:embed="rId3"/>
+          <a:stretch>
+            <a:fillRect/>
+          </a:stretch>
+        </p:blipFill>
         <p:spPr>
           <a:xfrm>
-            <a:off x="304800" y="1905000"/>
-            <a:ext cx="8534400" cy="3810000"/>
+            <a:off x="1295400" y="1828800"/>
+            <a:ext cx="5715000" cy="4877825"/>
           </a:xfrm>
+          <a:prstGeom prst="rect">
+            <a:avLst/>
+          </a:prstGeom>
         </p:spPr>
-        <p:txBody>
-          <a:bodyPr/>
-          <a:lstStyle/>
-          <a:p>
-            <a:r>
-              <a:rPr lang="en-US" sz="1400" dirty="0">
-                <a:solidFill>
-                  <a:srgbClr val="3C5790"/>
-                </a:solidFill>
-              </a:rPr>
-              <a:t>Docker</a:t>
-            </a:r>
-          </a:p>
-          <a:p>
-            <a:r>
-              <a:rPr lang="en-US" sz="1400" dirty="0">
-                <a:solidFill>
-                  <a:srgbClr val="3C5790"/>
-                </a:solidFill>
-              </a:rPr>
-              <a:t>Microsoft Service Fabric</a:t>
-            </a:r>
-          </a:p>
-          <a:p>
-            <a:r>
-              <a:rPr lang="en-US" sz="1400" dirty="0">
-                <a:solidFill>
-                  <a:srgbClr val="3C5790"/>
-                </a:solidFill>
-              </a:rPr>
-              <a:t>Red Hat </a:t>
-            </a:r>
-            <a:r>
-              <a:rPr lang="en-US" sz="1400" dirty="0" err="1">
-                <a:solidFill>
-                  <a:srgbClr val="3C5790"/>
-                </a:solidFill>
-              </a:rPr>
-              <a:t>Openshift</a:t>
-            </a:r>
-            <a:r>
-              <a:rPr lang="en-US" sz="1400" dirty="0">
-                <a:solidFill>
-                  <a:srgbClr val="3C5790"/>
-                </a:solidFill>
-              </a:rPr>
-              <a:t>: platform as a Service (PaaS) that allows developers to quickly develop, host, and scale applications in a cloud environment</a:t>
-            </a:r>
-          </a:p>
-          <a:p>
-            <a:r>
-              <a:rPr lang="en-US" sz="1400" dirty="0" err="1">
-                <a:solidFill>
-                  <a:srgbClr val="3C5790"/>
-                </a:solidFill>
-              </a:rPr>
-              <a:t>Vert.x</a:t>
-            </a:r>
-            <a:endParaRPr lang="en-US" sz="1400" dirty="0">
-              <a:solidFill>
-                <a:srgbClr val="3C5790"/>
-              </a:solidFill>
-            </a:endParaRPr>
-          </a:p>
-          <a:p>
-            <a:r>
-              <a:rPr lang="en-US" sz="1400" dirty="0">
-                <a:solidFill>
-                  <a:srgbClr val="3C5790"/>
-                </a:solidFill>
-              </a:rPr>
-              <a:t>Spring Cloud: provides tools for Spring Boot developers to quickly build some of the common patterns in distributed systems</a:t>
-            </a:r>
-          </a:p>
-          <a:p>
-            <a:r>
-              <a:rPr lang="en-US" sz="1400" dirty="0" err="1">
-                <a:solidFill>
-                  <a:srgbClr val="3C5790"/>
-                </a:solidFill>
-              </a:rPr>
-              <a:t>KumuluzEE</a:t>
-            </a:r>
-            <a:r>
-              <a:rPr lang="en-US" sz="1400" dirty="0">
-                <a:solidFill>
-                  <a:srgbClr val="3C5790"/>
-                </a:solidFill>
-              </a:rPr>
-              <a:t>: open-source </a:t>
-            </a:r>
-            <a:r>
-              <a:rPr lang="en-US" sz="1400" dirty="0" err="1">
-                <a:solidFill>
-                  <a:srgbClr val="3C5790"/>
-                </a:solidFill>
-              </a:rPr>
-              <a:t>microservice</a:t>
-            </a:r>
-            <a:r>
-              <a:rPr lang="en-US" sz="1400" dirty="0">
-                <a:solidFill>
-                  <a:srgbClr val="3C5790"/>
-                </a:solidFill>
-              </a:rPr>
-              <a:t> framework for Java EE.</a:t>
-            </a:r>
-            <a:endParaRPr lang="en-US" sz="1200" dirty="0">
-              <a:solidFill>
-                <a:srgbClr val="3C5790"/>
-              </a:solidFill>
-            </a:endParaRPr>
-          </a:p>
-        </p:txBody>
-      </p:sp>
+      </p:pic>
     </p:spTree>
     <p:extLst>
       <p:ext uri="{BB962C8B-B14F-4D97-AF65-F5344CB8AC3E}">
-        <p14:creationId xmlns:p14="http://schemas.microsoft.com/office/powerpoint/2010/main" val="1899346985"/>
+        <p14:creationId xmlns:p14="http://schemas.microsoft.com/office/powerpoint/2010/main" val="1623743521"/>
       </p:ext>
     </p:extLst>
   </p:cSld>
@@ -4152,6 +4067,762 @@
       </p:grpSpPr>
       <p:sp>
         <p:nvSpPr>
+          <p:cNvPr id="4098" name="Titre 3"/>
+          <p:cNvSpPr>
+            <a:spLocks noGrp="1"/>
+          </p:cNvSpPr>
+          <p:nvPr>
+            <p:ph type="title"/>
+          </p:nvPr>
+        </p:nvSpPr>
+        <p:spPr/>
+        <p:txBody>
+          <a:bodyPr/>
+          <a:lstStyle/>
+          <a:p>
+            <a:r>
+              <a:rPr lang="fr-CA" dirty="0" err="1">
+                <a:solidFill>
+                  <a:schemeClr val="bg1"/>
+                </a:solidFill>
+              </a:rPr>
+              <a:t>Implementation</a:t>
+            </a:r>
+            <a:endParaRPr lang="fr-CA" dirty="0">
+              <a:solidFill>
+                <a:schemeClr val="bg1"/>
+              </a:solidFill>
+            </a:endParaRPr>
+          </a:p>
+        </p:txBody>
+      </p:sp>
+      <p:sp>
+        <p:nvSpPr>
+          <p:cNvPr id="4099" name="Espace réservé du contenu 4"/>
+          <p:cNvSpPr>
+            <a:spLocks noGrp="1"/>
+          </p:cNvSpPr>
+          <p:nvPr>
+            <p:ph idx="1"/>
+          </p:nvPr>
+        </p:nvSpPr>
+        <p:spPr>
+          <a:xfrm>
+            <a:off x="304800" y="1905000"/>
+            <a:ext cx="8534400" cy="3810000"/>
+          </a:xfrm>
+        </p:spPr>
+        <p:txBody>
+          <a:bodyPr/>
+          <a:lstStyle/>
+          <a:p>
+            <a:r>
+              <a:rPr lang="en-US" sz="1400" dirty="0">
+                <a:solidFill>
+                  <a:srgbClr val="3C5790"/>
+                </a:solidFill>
+              </a:rPr>
+              <a:t>Docker</a:t>
+            </a:r>
+          </a:p>
+          <a:p>
+            <a:r>
+              <a:rPr lang="en-US" sz="1400" dirty="0">
+                <a:solidFill>
+                  <a:srgbClr val="3C5790"/>
+                </a:solidFill>
+              </a:rPr>
+              <a:t>Microsoft Service Fabric</a:t>
+            </a:r>
+          </a:p>
+          <a:p>
+            <a:r>
+              <a:rPr lang="en-US" sz="1400" dirty="0">
+                <a:solidFill>
+                  <a:srgbClr val="3C5790"/>
+                </a:solidFill>
+              </a:rPr>
+              <a:t>Red Hat </a:t>
+            </a:r>
+            <a:r>
+              <a:rPr lang="en-US" sz="1400" dirty="0" err="1">
+                <a:solidFill>
+                  <a:srgbClr val="3C5790"/>
+                </a:solidFill>
+              </a:rPr>
+              <a:t>Openshift</a:t>
+            </a:r>
+            <a:r>
+              <a:rPr lang="en-US" sz="1400" dirty="0">
+                <a:solidFill>
+                  <a:srgbClr val="3C5790"/>
+                </a:solidFill>
+              </a:rPr>
+              <a:t>: platform as a Service (PaaS) that allows developers to quickly develop, host, and scale applications in a cloud environment</a:t>
+            </a:r>
+          </a:p>
+          <a:p>
+            <a:r>
+              <a:rPr lang="en-US" sz="1400" dirty="0" err="1">
+                <a:solidFill>
+                  <a:srgbClr val="3C5790"/>
+                </a:solidFill>
+              </a:rPr>
+              <a:t>Vert.x</a:t>
+            </a:r>
+            <a:endParaRPr lang="en-US" sz="1400" dirty="0">
+              <a:solidFill>
+                <a:srgbClr val="3C5790"/>
+              </a:solidFill>
+            </a:endParaRPr>
+          </a:p>
+          <a:p>
+            <a:r>
+              <a:rPr lang="en-US" sz="1400" dirty="0">
+                <a:solidFill>
+                  <a:srgbClr val="3C5790"/>
+                </a:solidFill>
+              </a:rPr>
+              <a:t>Spring Cloud: provides tools for Spring Boot developers to quickly build some of the common patterns in distributed systems</a:t>
+            </a:r>
+          </a:p>
+          <a:p>
+            <a:r>
+              <a:rPr lang="en-US" sz="1400" dirty="0" err="1">
+                <a:solidFill>
+                  <a:srgbClr val="3C5790"/>
+                </a:solidFill>
+              </a:rPr>
+              <a:t>KumuluzEE</a:t>
+            </a:r>
+            <a:r>
+              <a:rPr lang="en-US" sz="1400" dirty="0">
+                <a:solidFill>
+                  <a:srgbClr val="3C5790"/>
+                </a:solidFill>
+              </a:rPr>
+              <a:t>: open-source </a:t>
+            </a:r>
+            <a:r>
+              <a:rPr lang="en-US" sz="1400" dirty="0" err="1">
+                <a:solidFill>
+                  <a:srgbClr val="3C5790"/>
+                </a:solidFill>
+              </a:rPr>
+              <a:t>microservice</a:t>
+            </a:r>
+            <a:r>
+              <a:rPr lang="en-US" sz="1400" dirty="0">
+                <a:solidFill>
+                  <a:srgbClr val="3C5790"/>
+                </a:solidFill>
+              </a:rPr>
+              <a:t> framework for Java EE.</a:t>
+            </a:r>
+            <a:endParaRPr lang="en-US" sz="1200" dirty="0">
+              <a:solidFill>
+                <a:srgbClr val="3C5790"/>
+              </a:solidFill>
+            </a:endParaRPr>
+          </a:p>
+        </p:txBody>
+      </p:sp>
+    </p:spTree>
+    <p:extLst>
+      <p:ext uri="{BB962C8B-B14F-4D97-AF65-F5344CB8AC3E}">
+        <p14:creationId xmlns:p14="http://schemas.microsoft.com/office/powerpoint/2010/main" val="1899346985"/>
+      </p:ext>
+    </p:extLst>
+  </p:cSld>
+  <p:clrMapOvr>
+    <a:masterClrMapping/>
+  </p:clrMapOvr>
+</p:sld>
+</file>
+
+<file path=ppt/slides/slide14.xml><?xml version="1.0" encoding="utf-8"?>
+<p:sld xmlns:a="http://schemas.openxmlformats.org/drawingml/2006/main" xmlns:r="http://schemas.openxmlformats.org/officeDocument/2006/relationships" xmlns:p="http://schemas.openxmlformats.org/presentationml/2006/main">
+  <p:cSld>
+    <p:bg>
+      <p:bgPr>
+        <a:blipFill dpi="0" rotWithShape="0">
+          <a:blip r:embed="rId2" cstate="print"/>
+          <a:srcRect/>
+          <a:stretch>
+            <a:fillRect/>
+          </a:stretch>
+        </a:blipFill>
+        <a:effectLst/>
+      </p:bgPr>
+    </p:bg>
+    <p:spTree>
+      <p:nvGrpSpPr>
+        <p:cNvPr id="1" name=""/>
+        <p:cNvGrpSpPr/>
+        <p:nvPr/>
+      </p:nvGrpSpPr>
+      <p:grpSpPr>
+        <a:xfrm>
+          <a:off x="0" y="0"/>
+          <a:ext cx="0" cy="0"/>
+          <a:chOff x="0" y="0"/>
+          <a:chExt cx="0" cy="0"/>
+        </a:xfrm>
+      </p:grpSpPr>
+      <p:sp>
+        <p:nvSpPr>
+          <p:cNvPr id="4098" name="Titre 3"/>
+          <p:cNvSpPr>
+            <a:spLocks noGrp="1"/>
+          </p:cNvSpPr>
+          <p:nvPr>
+            <p:ph type="title"/>
+          </p:nvPr>
+        </p:nvSpPr>
+        <p:spPr/>
+        <p:txBody>
+          <a:bodyPr/>
+          <a:lstStyle/>
+          <a:p>
+            <a:r>
+              <a:rPr lang="fr-CA" dirty="0">
+                <a:solidFill>
+                  <a:schemeClr val="bg1"/>
+                </a:solidFill>
+              </a:rPr>
+              <a:t>Best Practices</a:t>
+            </a:r>
+          </a:p>
+        </p:txBody>
+      </p:sp>
+      <p:sp>
+        <p:nvSpPr>
+          <p:cNvPr id="4099" name="Espace réservé du contenu 4"/>
+          <p:cNvSpPr>
+            <a:spLocks noGrp="1"/>
+          </p:cNvSpPr>
+          <p:nvPr>
+            <p:ph idx="1"/>
+          </p:nvPr>
+        </p:nvSpPr>
+        <p:spPr>
+          <a:xfrm>
+            <a:off x="304800" y="1905000"/>
+            <a:ext cx="8534400" cy="3810000"/>
+          </a:xfrm>
+        </p:spPr>
+        <p:txBody>
+          <a:bodyPr/>
+          <a:lstStyle/>
+          <a:p>
+            <a:r>
+              <a:rPr lang="en-US" sz="1400" b="1" dirty="0">
+                <a:solidFill>
+                  <a:srgbClr val="3C5790"/>
+                </a:solidFill>
+              </a:rPr>
+              <a:t>Containers</a:t>
+            </a:r>
+            <a:r>
+              <a:rPr lang="en-US" sz="1400" dirty="0">
+                <a:solidFill>
+                  <a:srgbClr val="3C5790"/>
+                </a:solidFill>
+              </a:rPr>
+              <a:t> contains everything we need to run in an isolated process and are immutable.</a:t>
+            </a:r>
+          </a:p>
+          <a:p>
+            <a:r>
+              <a:rPr lang="en-US" sz="1400" b="1" dirty="0">
+                <a:solidFill>
+                  <a:srgbClr val="3C5790"/>
+                </a:solidFill>
+              </a:rPr>
+              <a:t>Proxy</a:t>
+            </a:r>
+            <a:r>
+              <a:rPr lang="en-US" sz="1400" dirty="0">
+                <a:solidFill>
+                  <a:srgbClr val="3C5790"/>
+                </a:solidFill>
+              </a:rPr>
+              <a:t> </a:t>
+            </a:r>
+            <a:r>
+              <a:rPr lang="en-US" sz="1400" b="1" dirty="0" err="1">
+                <a:solidFill>
+                  <a:srgbClr val="3C5790"/>
+                </a:solidFill>
+              </a:rPr>
+              <a:t>Microservices</a:t>
+            </a:r>
+            <a:r>
+              <a:rPr lang="en-US" sz="1400" dirty="0">
+                <a:solidFill>
+                  <a:srgbClr val="3C5790"/>
+                </a:solidFill>
+              </a:rPr>
+              <a:t> or </a:t>
+            </a:r>
+            <a:r>
+              <a:rPr lang="en-US" sz="1400" b="1" dirty="0">
+                <a:solidFill>
+                  <a:srgbClr val="3C5790"/>
+                </a:solidFill>
+              </a:rPr>
+              <a:t>API</a:t>
+            </a:r>
+            <a:r>
+              <a:rPr lang="en-US" sz="1400" dirty="0">
+                <a:solidFill>
+                  <a:srgbClr val="3C5790"/>
+                </a:solidFill>
+              </a:rPr>
+              <a:t> </a:t>
+            </a:r>
+            <a:r>
+              <a:rPr lang="en-US" sz="1400" b="1" dirty="0">
+                <a:solidFill>
+                  <a:srgbClr val="3C5790"/>
+                </a:solidFill>
+              </a:rPr>
+              <a:t>gateway</a:t>
+            </a:r>
+            <a:r>
+              <a:rPr lang="en-US" sz="1400" dirty="0">
+                <a:solidFill>
+                  <a:srgbClr val="3C5790"/>
+                </a:solidFill>
+              </a:rPr>
+              <a:t> helps in case there are many requests to the system.</a:t>
+            </a:r>
+          </a:p>
+          <a:p>
+            <a:r>
+              <a:rPr lang="en-US" sz="1400" b="1" dirty="0">
+                <a:solidFill>
+                  <a:srgbClr val="3C5790"/>
+                </a:solidFill>
+              </a:rPr>
+              <a:t>Reverse</a:t>
+            </a:r>
+            <a:r>
+              <a:rPr lang="en-US" sz="1400" dirty="0">
+                <a:solidFill>
+                  <a:srgbClr val="3C5790"/>
+                </a:solidFill>
+              </a:rPr>
+              <a:t> </a:t>
+            </a:r>
+            <a:r>
+              <a:rPr lang="en-US" sz="1400" b="1" dirty="0">
+                <a:solidFill>
+                  <a:srgbClr val="3C5790"/>
+                </a:solidFill>
+              </a:rPr>
+              <a:t>proxy</a:t>
+            </a:r>
+            <a:r>
+              <a:rPr lang="en-US" sz="1400" dirty="0">
+                <a:solidFill>
+                  <a:srgbClr val="3C5790"/>
+                </a:solidFill>
+              </a:rPr>
+              <a:t> are used to decouple consumers from </a:t>
+            </a:r>
+            <a:r>
+              <a:rPr lang="en-US" sz="1400" dirty="0" err="1">
+                <a:solidFill>
+                  <a:srgbClr val="3C5790"/>
+                </a:solidFill>
+              </a:rPr>
+              <a:t>microservices</a:t>
+            </a:r>
+            <a:r>
+              <a:rPr lang="en-US" sz="1400" dirty="0">
+                <a:solidFill>
+                  <a:srgbClr val="3C5790"/>
+                </a:solidFill>
+              </a:rPr>
+              <a:t> like: </a:t>
+            </a:r>
+            <a:r>
+              <a:rPr lang="en-US" sz="1400" dirty="0" err="1">
+                <a:solidFill>
+                  <a:srgbClr val="3C5790"/>
+                </a:solidFill>
+              </a:rPr>
+              <a:t>HAProxy</a:t>
+            </a:r>
+            <a:r>
+              <a:rPr lang="en-US" sz="1400" dirty="0">
+                <a:solidFill>
+                  <a:srgbClr val="3C5790"/>
+                </a:solidFill>
+              </a:rPr>
+              <a:t>, </a:t>
+            </a:r>
+            <a:r>
+              <a:rPr lang="en-US" sz="1400" dirty="0" err="1">
+                <a:solidFill>
+                  <a:srgbClr val="3C5790"/>
+                </a:solidFill>
+              </a:rPr>
+              <a:t>nginx</a:t>
+            </a:r>
+            <a:r>
+              <a:rPr lang="en-US" sz="1400" dirty="0">
+                <a:solidFill>
+                  <a:srgbClr val="3C5790"/>
+                </a:solidFill>
+              </a:rPr>
+              <a:t>.</a:t>
+            </a:r>
+          </a:p>
+          <a:p>
+            <a:r>
+              <a:rPr lang="en-US" sz="1400" b="1" dirty="0">
+                <a:solidFill>
+                  <a:srgbClr val="3C5790"/>
+                </a:solidFill>
+              </a:rPr>
+              <a:t>API</a:t>
+            </a:r>
+            <a:r>
+              <a:rPr lang="en-US" sz="1400" dirty="0">
+                <a:solidFill>
+                  <a:srgbClr val="3C5790"/>
+                </a:solidFill>
+              </a:rPr>
+              <a:t> </a:t>
+            </a:r>
+            <a:r>
+              <a:rPr lang="en-US" sz="1400" b="1" dirty="0">
+                <a:solidFill>
+                  <a:srgbClr val="3C5790"/>
+                </a:solidFill>
+              </a:rPr>
+              <a:t>versioning</a:t>
+            </a:r>
+            <a:r>
+              <a:rPr lang="en-US" sz="1400" dirty="0">
+                <a:solidFill>
+                  <a:srgbClr val="3C5790"/>
+                </a:solidFill>
+              </a:rPr>
+              <a:t> should be applied to any API. </a:t>
+            </a:r>
+          </a:p>
+          <a:p>
+            <a:endParaRPr lang="en-US" sz="1400" dirty="0">
+              <a:solidFill>
+                <a:srgbClr val="3C5790"/>
+              </a:solidFill>
+            </a:endParaRPr>
+          </a:p>
+        </p:txBody>
+      </p:sp>
+    </p:spTree>
+    <p:extLst>
+      <p:ext uri="{BB962C8B-B14F-4D97-AF65-F5344CB8AC3E}">
+        <p14:creationId xmlns:p14="http://schemas.microsoft.com/office/powerpoint/2010/main" val="4112527227"/>
+      </p:ext>
+    </p:extLst>
+  </p:cSld>
+  <p:clrMapOvr>
+    <a:masterClrMapping/>
+  </p:clrMapOvr>
+</p:sld>
+</file>
+
+<file path=ppt/slides/slide15.xml><?xml version="1.0" encoding="utf-8"?>
+<p:sld xmlns:a="http://schemas.openxmlformats.org/drawingml/2006/main" xmlns:r="http://schemas.openxmlformats.org/officeDocument/2006/relationships" xmlns:p="http://schemas.openxmlformats.org/presentationml/2006/main">
+  <p:cSld>
+    <p:bg>
+      <p:bgPr>
+        <a:blipFill dpi="0" rotWithShape="0">
+          <a:blip r:embed="rId2" cstate="print"/>
+          <a:srcRect/>
+          <a:stretch>
+            <a:fillRect/>
+          </a:stretch>
+        </a:blipFill>
+        <a:effectLst/>
+      </p:bgPr>
+    </p:bg>
+    <p:spTree>
+      <p:nvGrpSpPr>
+        <p:cNvPr id="1" name=""/>
+        <p:cNvGrpSpPr/>
+        <p:nvPr/>
+      </p:nvGrpSpPr>
+      <p:grpSpPr>
+        <a:xfrm>
+          <a:off x="0" y="0"/>
+          <a:ext cx="0" cy="0"/>
+          <a:chOff x="0" y="0"/>
+          <a:chExt cx="0" cy="0"/>
+        </a:xfrm>
+      </p:grpSpPr>
+      <p:sp>
+        <p:nvSpPr>
+          <p:cNvPr id="4098" name="Titre 3"/>
+          <p:cNvSpPr>
+            <a:spLocks noGrp="1"/>
+          </p:cNvSpPr>
+          <p:nvPr>
+            <p:ph type="title"/>
+          </p:nvPr>
+        </p:nvSpPr>
+        <p:spPr/>
+        <p:txBody>
+          <a:bodyPr/>
+          <a:lstStyle/>
+          <a:p>
+            <a:r>
+              <a:rPr lang="fr-CA" dirty="0">
+                <a:solidFill>
+                  <a:schemeClr val="bg1"/>
+                </a:solidFill>
+              </a:rPr>
+              <a:t>Best Practices (</a:t>
+            </a:r>
+            <a:r>
+              <a:rPr lang="fr-CA" dirty="0" err="1">
+                <a:solidFill>
+                  <a:schemeClr val="bg1"/>
+                </a:solidFill>
+              </a:rPr>
+              <a:t>cont</a:t>
+            </a:r>
+            <a:r>
+              <a:rPr lang="fr-CA" dirty="0">
+                <a:solidFill>
+                  <a:schemeClr val="bg1"/>
+                </a:solidFill>
+              </a:rPr>
+              <a:t>.)</a:t>
+            </a:r>
+          </a:p>
+        </p:txBody>
+      </p:sp>
+      <p:sp>
+        <p:nvSpPr>
+          <p:cNvPr id="4099" name="Espace réservé du contenu 4"/>
+          <p:cNvSpPr>
+            <a:spLocks noGrp="1"/>
+          </p:cNvSpPr>
+          <p:nvPr>
+            <p:ph idx="1"/>
+          </p:nvPr>
+        </p:nvSpPr>
+        <p:spPr>
+          <a:xfrm>
+            <a:off x="304800" y="1905000"/>
+            <a:ext cx="8534400" cy="1447800"/>
+          </a:xfrm>
+        </p:spPr>
+        <p:txBody>
+          <a:bodyPr/>
+          <a:lstStyle/>
+          <a:p>
+            <a:r>
+              <a:rPr lang="en-US" sz="1400" dirty="0">
+                <a:solidFill>
+                  <a:srgbClr val="3C5790"/>
+                </a:solidFill>
+              </a:rPr>
+              <a:t>The </a:t>
+            </a:r>
+            <a:r>
+              <a:rPr lang="en-US" sz="1400" b="1" dirty="0">
+                <a:solidFill>
+                  <a:srgbClr val="3C5790"/>
+                </a:solidFill>
+              </a:rPr>
+              <a:t>service</a:t>
+            </a:r>
+            <a:r>
+              <a:rPr lang="en-US" sz="1400" dirty="0">
+                <a:solidFill>
+                  <a:srgbClr val="3C5790"/>
+                </a:solidFill>
+              </a:rPr>
+              <a:t> </a:t>
+            </a:r>
+            <a:r>
+              <a:rPr lang="en-US" sz="1400" b="1" dirty="0">
+                <a:solidFill>
+                  <a:srgbClr val="3C5790"/>
+                </a:solidFill>
+              </a:rPr>
+              <a:t>discovery</a:t>
+            </a:r>
+            <a:r>
+              <a:rPr lang="en-US" sz="1400" dirty="0">
+                <a:solidFill>
+                  <a:srgbClr val="3C5790"/>
+                </a:solidFill>
+              </a:rPr>
+              <a:t> is the key to distributed services.</a:t>
+            </a:r>
+          </a:p>
+          <a:p>
+            <a:r>
+              <a:rPr lang="en-US" sz="1400" dirty="0">
+                <a:solidFill>
+                  <a:srgbClr val="3C5790"/>
+                </a:solidFill>
+              </a:rPr>
+              <a:t>The more services we have, the bigger the change for a conflict to occur if we are using predefined ports.</a:t>
+            </a:r>
+          </a:p>
+          <a:p>
+            <a:r>
+              <a:rPr lang="en-US" sz="1400" b="1" dirty="0">
+                <a:solidFill>
+                  <a:srgbClr val="3C5790"/>
+                </a:solidFill>
+              </a:rPr>
+              <a:t>Service</a:t>
+            </a:r>
+            <a:r>
+              <a:rPr lang="en-US" sz="1400" dirty="0">
+                <a:solidFill>
+                  <a:srgbClr val="3C5790"/>
+                </a:solidFill>
+              </a:rPr>
+              <a:t> </a:t>
+            </a:r>
+            <a:r>
+              <a:rPr lang="en-US" sz="1400" b="1" dirty="0">
+                <a:solidFill>
+                  <a:srgbClr val="3C5790"/>
+                </a:solidFill>
+              </a:rPr>
+              <a:t>registration</a:t>
+            </a:r>
+            <a:r>
+              <a:rPr lang="en-US" sz="1400" dirty="0">
+                <a:solidFill>
+                  <a:srgbClr val="3C5790"/>
+                </a:solidFill>
+              </a:rPr>
+              <a:t>: stores the configuration like host, port, etc.</a:t>
+            </a:r>
+          </a:p>
+          <a:p>
+            <a:r>
+              <a:rPr lang="en-US" sz="1400" b="1" dirty="0">
+                <a:solidFill>
+                  <a:srgbClr val="3C5790"/>
+                </a:solidFill>
+              </a:rPr>
+              <a:t>Service</a:t>
+            </a:r>
+            <a:r>
+              <a:rPr lang="en-US" sz="1400" dirty="0">
+                <a:solidFill>
+                  <a:srgbClr val="3C5790"/>
+                </a:solidFill>
+              </a:rPr>
+              <a:t> </a:t>
+            </a:r>
+            <a:r>
+              <a:rPr lang="en-US" sz="1400" b="1" dirty="0">
+                <a:solidFill>
+                  <a:srgbClr val="3C5790"/>
+                </a:solidFill>
+              </a:rPr>
+              <a:t>discovery</a:t>
+            </a:r>
+            <a:r>
+              <a:rPr lang="en-US" sz="1400" dirty="0">
+                <a:solidFill>
+                  <a:srgbClr val="3C5790"/>
+                </a:solidFill>
+              </a:rPr>
+              <a:t>: allows others to be able to discover the information stored during registration process.</a:t>
+            </a:r>
+          </a:p>
+          <a:p>
+            <a:endParaRPr lang="en-US" sz="1400" dirty="0">
+              <a:solidFill>
+                <a:srgbClr val="3C5790"/>
+              </a:solidFill>
+            </a:endParaRPr>
+          </a:p>
+        </p:txBody>
+      </p:sp>
+      <p:pic>
+        <p:nvPicPr>
+          <p:cNvPr id="2" name="Picture 1"/>
+          <p:cNvPicPr>
+            <a:picLocks noChangeAspect="1"/>
+          </p:cNvPicPr>
+          <p:nvPr/>
+        </p:nvPicPr>
+        <p:blipFill>
+          <a:blip r:embed="rId3"/>
+          <a:stretch>
+            <a:fillRect/>
+          </a:stretch>
+        </p:blipFill>
+        <p:spPr>
+          <a:xfrm>
+            <a:off x="2057400" y="3200400"/>
+            <a:ext cx="4651968" cy="3124200"/>
+          </a:xfrm>
+          <a:prstGeom prst="rect">
+            <a:avLst/>
+          </a:prstGeom>
+        </p:spPr>
+      </p:pic>
+    </p:spTree>
+    <p:extLst>
+      <p:ext uri="{BB962C8B-B14F-4D97-AF65-F5344CB8AC3E}">
+        <p14:creationId xmlns:p14="http://schemas.microsoft.com/office/powerpoint/2010/main" val="2868017360"/>
+      </p:ext>
+    </p:extLst>
+  </p:cSld>
+  <p:clrMapOvr>
+    <a:masterClrMapping/>
+  </p:clrMapOvr>
+</p:sld>
+</file>
+
+<file path=ppt/slides/slide16.xml><?xml version="1.0" encoding="utf-8"?>
+<p:sld xmlns:a="http://schemas.openxmlformats.org/drawingml/2006/main" xmlns:r="http://schemas.openxmlformats.org/officeDocument/2006/relationships" xmlns:p="http://schemas.openxmlformats.org/presentationml/2006/main">
+  <p:cSld>
+    <p:bg>
+      <p:bgPr>
+        <a:blipFill dpi="0" rotWithShape="0">
+          <a:blip r:embed="rId2" cstate="print"/>
+          <a:srcRect/>
+          <a:stretch>
+            <a:fillRect/>
+          </a:stretch>
+        </a:blipFill>
+        <a:effectLst/>
+      </p:bgPr>
+    </p:bg>
+    <p:spTree>
+      <p:nvGrpSpPr>
+        <p:cNvPr id="1" name=""/>
+        <p:cNvGrpSpPr/>
+        <p:nvPr/>
+      </p:nvGrpSpPr>
+      <p:grpSpPr>
+        <a:xfrm>
+          <a:off x="0" y="0"/>
+          <a:ext cx="0" cy="0"/>
+          <a:chOff x="0" y="0"/>
+          <a:chExt cx="0" cy="0"/>
+        </a:xfrm>
+      </p:grpSpPr>
+      <p:sp>
+        <p:nvSpPr>
           <p:cNvPr id="5122" name="Titre 3"/>
           <p:cNvSpPr>
             <a:spLocks noGrp="1"/>
@@ -4492,6 +5163,16 @@
                 <a:srgbClr val="3C5790"/>
               </a:solidFill>
             </a:endParaRPr>
+          </a:p>
+          <a:p>
+            <a:r>
+              <a:rPr lang="fr-CA" sz="1600" dirty="0">
+                <a:solidFill>
+                  <a:srgbClr val="3C5790"/>
+                </a:solidFill>
+              </a:rPr>
+              <a:t>Best Practices</a:t>
+            </a:r>
           </a:p>
           <a:p>
             <a:r>

--- a/Presentations/Microservices/Microservices.pptx
+++ b/Presentations/Microservices/Microservices.pptx
@@ -168,6 +168,10 @@
 </p:presentation>
 </file>
 
+<file path=ppt/revisionInfo.xml><?xml version="1.0" encoding="utf-8"?>
+<p1510:revInfo xmlns:a="http://schemas.openxmlformats.org/drawingml/2006/main" xmlns:r="http://schemas.openxmlformats.org/officeDocument/2006/relationships" xmlns:p1510="http://schemas.microsoft.com/office/powerpoint/2015/10/main"/>
+</file>
+
 <file path=ppt/slideLayouts/slideLayout1.xml><?xml version="1.0" encoding="utf-8"?>
 <p:sldLayout xmlns:a="http://schemas.openxmlformats.org/drawingml/2006/main" xmlns:r="http://schemas.openxmlformats.org/officeDocument/2006/relationships" xmlns:p="http://schemas.openxmlformats.org/presentationml/2006/main" type="title" preserve="1">
   <p:cSld name="Diapositive de titre">
@@ -359,7 +363,7 @@
               <a:pPr>
                 <a:defRPr/>
               </a:pPr>
-              <a:t>22/02/2017</a:t>
+              <a:t>06/06/2017</a:t>
             </a:fld>
             <a:endParaRPr lang="fr-CA"/>
           </a:p>
@@ -551,7 +555,7 @@
               <a:pPr>
                 <a:defRPr/>
               </a:pPr>
-              <a:t>22/02/2017</a:t>
+              <a:t>06/06/2017</a:t>
             </a:fld>
             <a:endParaRPr lang="fr-CA"/>
           </a:p>
@@ -753,7 +757,7 @@
               <a:pPr>
                 <a:defRPr/>
               </a:pPr>
-              <a:t>22/02/2017</a:t>
+              <a:t>06/06/2017</a:t>
             </a:fld>
             <a:endParaRPr lang="fr-CA"/>
           </a:p>
@@ -945,7 +949,7 @@
               <a:pPr>
                 <a:defRPr/>
               </a:pPr>
-              <a:t>22/02/2017</a:t>
+              <a:t>06/06/2017</a:t>
             </a:fld>
             <a:endParaRPr lang="fr-CA"/>
           </a:p>
@@ -1213,7 +1217,7 @@
               <a:pPr>
                 <a:defRPr/>
               </a:pPr>
-              <a:t>22/02/2017</a:t>
+              <a:t>06/06/2017</a:t>
             </a:fld>
             <a:endParaRPr lang="fr-CA"/>
           </a:p>
@@ -1523,7 +1527,7 @@
               <a:pPr>
                 <a:defRPr/>
               </a:pPr>
-              <a:t>22/02/2017</a:t>
+              <a:t>06/06/2017</a:t>
             </a:fld>
             <a:endParaRPr lang="fr-CA"/>
           </a:p>
@@ -1967,7 +1971,7 @@
               <a:pPr>
                 <a:defRPr/>
               </a:pPr>
-              <a:t>22/02/2017</a:t>
+              <a:t>06/06/2017</a:t>
             </a:fld>
             <a:endParaRPr lang="fr-CA"/>
           </a:p>
@@ -2107,7 +2111,7 @@
               <a:pPr>
                 <a:defRPr/>
               </a:pPr>
-              <a:t>22/02/2017</a:t>
+              <a:t>06/06/2017</a:t>
             </a:fld>
             <a:endParaRPr lang="fr-CA"/>
           </a:p>
@@ -2224,7 +2228,7 @@
               <a:pPr>
                 <a:defRPr/>
               </a:pPr>
-              <a:t>22/02/2017</a:t>
+              <a:t>06/06/2017</a:t>
             </a:fld>
             <a:endParaRPr lang="fr-CA"/>
           </a:p>
@@ -2523,7 +2527,7 @@
               <a:pPr>
                 <a:defRPr/>
               </a:pPr>
-              <a:t>22/02/2017</a:t>
+              <a:t>06/06/2017</a:t>
             </a:fld>
             <a:endParaRPr lang="fr-CA"/>
           </a:p>
@@ -2805,7 +2809,7 @@
               <a:pPr>
                 <a:defRPr/>
               </a:pPr>
-              <a:t>22/02/2017</a:t>
+              <a:t>06/06/2017</a:t>
             </a:fld>
             <a:endParaRPr lang="fr-CA"/>
           </a:p>
@@ -3069,7 +3073,7 @@
               <a:pPr>
                 <a:defRPr/>
               </a:pPr>
-              <a:t>22/02/2017</a:t>
+              <a:t>06/06/2017</a:t>
             </a:fld>
             <a:endParaRPr lang="fr-CA"/>
           </a:p>
@@ -5008,7 +5012,7 @@
                   <a:srgbClr val="3C5790"/>
                 </a:solidFill>
               </a:rPr>
-              <a:t> </a:t>
+              <a:t> are </a:t>
             </a:r>
             <a:r>
               <a:rPr lang="fr-CA" sz="1600" dirty="0" err="1">
@@ -5016,7 +5020,7 @@
                   <a:srgbClr val="3C5790"/>
                 </a:solidFill>
               </a:rPr>
-              <a:t>is</a:t>
+              <a:t>Microservices</a:t>
             </a:r>
             <a:r>
               <a:rPr lang="fr-CA" sz="1600" dirty="0">
@@ -5024,7 +5028,7 @@
                   <a:srgbClr val="3C5790"/>
                 </a:solidFill>
               </a:rPr>
-              <a:t> Servlet?</a:t>
+              <a:t> ?</a:t>
             </a:r>
           </a:p>
           <a:p>
@@ -5275,13 +5279,18 @@
               <a:t>Microservices</a:t>
             </a:r>
             <a:r>
-              <a:rPr lang="fr-CA" dirty="0">
+              <a:rPr lang="fr-CA">
                 <a:solidFill>
                   <a:schemeClr val="bg1"/>
                 </a:solidFill>
               </a:rPr>
-              <a:t>?</a:t>
-            </a:r>
+              <a:t> ?</a:t>
+            </a:r>
+            <a:endParaRPr lang="fr-CA" dirty="0">
+              <a:solidFill>
+                <a:schemeClr val="bg1"/>
+              </a:solidFill>
+            </a:endParaRPr>
           </a:p>
         </p:txBody>
       </p:sp>
